--- a/Лекции/ИТиП 2 лек 8.pptx
+++ b/Лекции/ИТиП 2 лек 8.pptx
@@ -227,7 +227,7 @@
             <a:fld id="{AA2F9473-F066-431E-A6E8-1D478C995A6B}" type="datetimeFigureOut">
               <a:rPr lang="en-US" smtClean="0"/>
               <a:pPr/>
-              <a:t>3/10/2025</a:t>
+              <a:t>3/12/2025</a:t>
             </a:fld>
             <a:endParaRPr lang="en-US"/>
           </a:p>
@@ -2093,7 +2093,7 @@
           <p:cNvPr id="9" name="Номер слайда 3">
             <a:extLst>
               <a:ext uri="{FF2B5EF4-FFF2-40B4-BE49-F238E27FC236}">
-                <a16:creationId xmlns:a16="http://schemas.microsoft.com/office/drawing/2014/main" id="{3DF48714-7FE4-4364-BF9D-28B9C9E2979D}"/>
+                <a16:creationId xmlns:a16="http://schemas.microsoft.com/office/drawing/2014/main" xmlns="" id="{3DF48714-7FE4-4364-BF9D-28B9C9E2979D}"/>
               </a:ext>
             </a:extLst>
           </p:cNvPr>
@@ -2232,7 +2232,7 @@
           <p:cNvPr id="7" name="Номер слайда 3">
             <a:extLst>
               <a:ext uri="{FF2B5EF4-FFF2-40B4-BE49-F238E27FC236}">
-                <a16:creationId xmlns:a16="http://schemas.microsoft.com/office/drawing/2014/main" id="{3DF48714-7FE4-4364-BF9D-28B9C9E2979D}"/>
+                <a16:creationId xmlns:a16="http://schemas.microsoft.com/office/drawing/2014/main" xmlns="" id="{3DF48714-7FE4-4364-BF9D-28B9C9E2979D}"/>
               </a:ext>
             </a:extLst>
           </p:cNvPr>
@@ -2514,7 +2514,7 @@
           <p:cNvPr id="9" name="Номер слайда 3">
             <a:extLst>
               <a:ext uri="{FF2B5EF4-FFF2-40B4-BE49-F238E27FC236}">
-                <a16:creationId xmlns:a16="http://schemas.microsoft.com/office/drawing/2014/main" id="{3DF48714-7FE4-4364-BF9D-28B9C9E2979D}"/>
+                <a16:creationId xmlns:a16="http://schemas.microsoft.com/office/drawing/2014/main" xmlns="" id="{3DF48714-7FE4-4364-BF9D-28B9C9E2979D}"/>
               </a:ext>
             </a:extLst>
           </p:cNvPr>
@@ -2972,7 +2972,7 @@
           <p:cNvPr id="17" name="Заголовок 16">
             <a:extLst>
               <a:ext uri="{FF2B5EF4-FFF2-40B4-BE49-F238E27FC236}">
-                <a16:creationId xmlns:a16="http://schemas.microsoft.com/office/drawing/2014/main" id="{D630362D-1F09-46B4-9DE4-AEA483AC82FD}"/>
+                <a16:creationId xmlns:a16="http://schemas.microsoft.com/office/drawing/2014/main" xmlns="" id="{D630362D-1F09-46B4-9DE4-AEA483AC82FD}"/>
               </a:ext>
             </a:extLst>
           </p:cNvPr>
@@ -3156,7 +3156,7 @@
           <p:cNvPr id="12" name="TextBox 11">
             <a:extLst>
               <a:ext uri="{FF2B5EF4-FFF2-40B4-BE49-F238E27FC236}">
-                <a16:creationId xmlns:a16="http://schemas.microsoft.com/office/drawing/2014/main" id="{F7B00361-5492-4290-B470-295172C16526}"/>
+                <a16:creationId xmlns:a16="http://schemas.microsoft.com/office/drawing/2014/main" xmlns="" id="{F7B00361-5492-4290-B470-295172C16526}"/>
               </a:ext>
             </a:extLst>
           </p:cNvPr>
@@ -8322,7 +8322,21 @@
                 <a:latin typeface="Bookman Old Style" panose="02050604050505020204" pitchFamily="18" charset="0"/>
                 <a:cs typeface="Times New Roman" panose="02020603050405020304" pitchFamily="18" charset="0"/>
               </a:rPr>
-              <a:t>. В проектах под .NET 6 данное пространство имен подключается по умолчанию</a:t>
+              <a:t>. В проектах под .NET </a:t>
+            </a:r>
+            <a:r>
+              <a:rPr lang="ru-RU" sz="2400" dirty="0" smtClean="0">
+                <a:latin typeface="Bookman Old Style" panose="02050604050505020204" pitchFamily="18" charset="0"/>
+                <a:cs typeface="Times New Roman" panose="02020603050405020304" pitchFamily="18" charset="0"/>
+              </a:rPr>
+              <a:t>6+ </a:t>
+            </a:r>
+            <a:r>
+              <a:rPr lang="ru-RU" sz="2400" dirty="0">
+                <a:latin typeface="Bookman Old Style" panose="02050604050505020204" pitchFamily="18" charset="0"/>
+                <a:cs typeface="Times New Roman" panose="02020603050405020304" pitchFamily="18" charset="0"/>
+              </a:rPr>
+              <a:t>данное пространство имен подключается по умолчанию</a:t>
             </a:r>
             <a:r>
               <a:rPr lang="ru-RU" sz="2400" dirty="0" smtClean="0">
